--- a/WCMC.Normalization.Batch/inst/www/temp.pptx
+++ b/WCMC.Normalization.Batch/inst/www/temp.pptx
@@ -242,7 +242,7 @@
           <a:p>
             <a:fld id="{1CB658BD-DBEE-41B2-A6B8-BB896E4B8E7A}" type="datetimeFigureOut">
               <a:rPr lang="en-US" smtClean="0"/>
-              <a:t>2/15/2017</a:t>
+              <a:t>3/21/2017</a:t>
             </a:fld>
             <a:endParaRPr lang="en-US"/>
           </a:p>
@@ -410,7 +410,7 @@
           <a:p>
             <a:fld id="{1CB658BD-DBEE-41B2-A6B8-BB896E4B8E7A}" type="datetimeFigureOut">
               <a:rPr lang="en-US" smtClean="0"/>
-              <a:t>2/15/2017</a:t>
+              <a:t>3/21/2017</a:t>
             </a:fld>
             <a:endParaRPr lang="en-US"/>
           </a:p>
@@ -588,7 +588,7 @@
           <a:p>
             <a:fld id="{1CB658BD-DBEE-41B2-A6B8-BB896E4B8E7A}" type="datetimeFigureOut">
               <a:rPr lang="en-US" smtClean="0"/>
-              <a:t>2/15/2017</a:t>
+              <a:t>3/21/2017</a:t>
             </a:fld>
             <a:endParaRPr lang="en-US"/>
           </a:p>
@@ -756,7 +756,7 @@
           <a:p>
             <a:fld id="{1CB658BD-DBEE-41B2-A6B8-BB896E4B8E7A}" type="datetimeFigureOut">
               <a:rPr lang="en-US" smtClean="0"/>
-              <a:t>2/15/2017</a:t>
+              <a:t>3/21/2017</a:t>
             </a:fld>
             <a:endParaRPr lang="en-US"/>
           </a:p>
@@ -1001,7 +1001,7 @@
           <a:p>
             <a:fld id="{1CB658BD-DBEE-41B2-A6B8-BB896E4B8E7A}" type="datetimeFigureOut">
               <a:rPr lang="en-US" smtClean="0"/>
-              <a:t>2/15/2017</a:t>
+              <a:t>3/21/2017</a:t>
             </a:fld>
             <a:endParaRPr lang="en-US"/>
           </a:p>
@@ -1230,7 +1230,7 @@
           <a:p>
             <a:fld id="{1CB658BD-DBEE-41B2-A6B8-BB896E4B8E7A}" type="datetimeFigureOut">
               <a:rPr lang="en-US" smtClean="0"/>
-              <a:t>2/15/2017</a:t>
+              <a:t>3/21/2017</a:t>
             </a:fld>
             <a:endParaRPr lang="en-US"/>
           </a:p>
@@ -1594,7 +1594,7 @@
           <a:p>
             <a:fld id="{1CB658BD-DBEE-41B2-A6B8-BB896E4B8E7A}" type="datetimeFigureOut">
               <a:rPr lang="en-US" smtClean="0"/>
-              <a:t>2/15/2017</a:t>
+              <a:t>3/21/2017</a:t>
             </a:fld>
             <a:endParaRPr lang="en-US"/>
           </a:p>
@@ -1711,7 +1711,7 @@
           <a:p>
             <a:fld id="{1CB658BD-DBEE-41B2-A6B8-BB896E4B8E7A}" type="datetimeFigureOut">
               <a:rPr lang="en-US" smtClean="0"/>
-              <a:t>2/15/2017</a:t>
+              <a:t>3/21/2017</a:t>
             </a:fld>
             <a:endParaRPr lang="en-US"/>
           </a:p>
@@ -1806,7 +1806,7 @@
           <a:p>
             <a:fld id="{1CB658BD-DBEE-41B2-A6B8-BB896E4B8E7A}" type="datetimeFigureOut">
               <a:rPr lang="en-US" smtClean="0"/>
-              <a:t>2/15/2017</a:t>
+              <a:t>3/21/2017</a:t>
             </a:fld>
             <a:endParaRPr lang="en-US"/>
           </a:p>
@@ -2081,7 +2081,7 @@
           <a:p>
             <a:fld id="{1CB658BD-DBEE-41B2-A6B8-BB896E4B8E7A}" type="datetimeFigureOut">
               <a:rPr lang="en-US" smtClean="0"/>
-              <a:t>2/15/2017</a:t>
+              <a:t>3/21/2017</a:t>
             </a:fld>
             <a:endParaRPr lang="en-US"/>
           </a:p>
@@ -2333,7 +2333,7 @@
           <a:p>
             <a:fld id="{1CB658BD-DBEE-41B2-A6B8-BB896E4B8E7A}" type="datetimeFigureOut">
               <a:rPr lang="en-US" smtClean="0"/>
-              <a:t>2/15/2017</a:t>
+              <a:t>3/21/2017</a:t>
             </a:fld>
             <a:endParaRPr lang="en-US"/>
           </a:p>
@@ -2544,7 +2544,7 @@
           <a:p>
             <a:fld id="{1CB658BD-DBEE-41B2-A6B8-BB896E4B8E7A}" type="datetimeFigureOut">
               <a:rPr lang="en-US" smtClean="0"/>
-              <a:t>2/15/2017</a:t>
+              <a:t>3/21/2017</a:t>
             </a:fld>
             <a:endParaRPr lang="en-US"/>
           </a:p>
@@ -3281,9 +3281,9 @@
           <p:nvPr/>
         </p:nvCxnSpPr>
         <p:spPr>
-          <a:xfrm>
-            <a:off x="3657599" y="1791475"/>
-            <a:ext cx="0" cy="311727"/>
+          <a:xfrm flipH="1" flipV="1">
+            <a:off x="2957640" y="4380633"/>
+            <a:ext cx="8091" cy="368188"/>
           </a:xfrm>
           <a:prstGeom prst="straightConnector1">
             <a:avLst/>
@@ -3318,7 +3318,7 @@
         </p:nvCxnSpPr>
         <p:spPr>
           <a:xfrm flipH="1" flipV="1">
-            <a:off x="8615328" y="2210924"/>
+            <a:off x="8684699" y="2668124"/>
             <a:ext cx="294083" cy="4156"/>
           </a:xfrm>
           <a:prstGeom prst="straightConnector1">
@@ -3354,7 +3354,7 @@
         </p:nvSpPr>
         <p:spPr>
           <a:xfrm>
-            <a:off x="3126623" y="1576031"/>
+            <a:off x="2548042" y="4714004"/>
             <a:ext cx="1061951" cy="215444"/>
           </a:xfrm>
           <a:prstGeom prst="rect">
@@ -3374,7 +3374,7 @@
                   <a:srgbClr val="92D050"/>
                 </a:solidFill>
               </a:rPr>
-              <a:t>Any compound index</a:t>
+              <a:t>compound label</a:t>
             </a:r>
           </a:p>
         </p:txBody>
@@ -3387,7 +3387,7 @@
         </p:nvSpPr>
         <p:spPr>
           <a:xfrm>
-            <a:off x="8857949" y="2103202"/>
+            <a:off x="8904971" y="2560402"/>
             <a:ext cx="976745" cy="215444"/>
           </a:xfrm>
           <a:prstGeom prst="rect">
@@ -3407,41 +3407,115 @@
                   <a:srgbClr val="92D050"/>
                 </a:solidFill>
               </a:rPr>
-              <a:t>Any sample index</a:t>
-            </a:r>
+              <a:t>sample </a:t>
+            </a:r>
+            <a:r>
+              <a:rPr lang="en-US" altLang="zh-CN" sz="800" dirty="0">
+                <a:solidFill>
+                  <a:srgbClr val="92D050"/>
+                </a:solidFill>
+              </a:rPr>
+              <a:t>label</a:t>
+            </a:r>
+            <a:endParaRPr lang="en-US" sz="800" dirty="0">
+              <a:solidFill>
+                <a:srgbClr val="92D050"/>
+              </a:solidFill>
+            </a:endParaRPr>
           </a:p>
         </p:txBody>
       </p:sp>
       <p:pic>
         <p:nvPicPr>
-          <p:cNvPr id="6" name="Picture 5"/>
+          <p:cNvPr id="5" name="Picture 4"/>
           <p:cNvPicPr>
             <a:picLocks noChangeAspect="1"/>
           </p:cNvPicPr>
           <p:nvPr/>
         </p:nvPicPr>
         <p:blipFill>
-          <a:blip r:embed="rId4">
-            <a:extLst>
-              <a:ext uri="{28A0092B-C50C-407E-A947-70E740481C1C}">
-                <a14:useLocalDpi xmlns:a14="http://schemas.microsoft.com/office/drawing/2010/main" val="0"/>
-              </a:ext>
-            </a:extLst>
-          </a:blip>
+          <a:blip r:embed="rId4"/>
           <a:stretch>
             <a:fillRect/>
           </a:stretch>
         </p:blipFill>
         <p:spPr>
           <a:xfrm>
-            <a:off x="3377221" y="2150489"/>
-            <a:ext cx="5203665" cy="2677361"/>
+            <a:off x="2751377" y="2437183"/>
+            <a:ext cx="5923370" cy="1950378"/>
           </a:xfrm>
           <a:prstGeom prst="rect">
             <a:avLst/>
           </a:prstGeom>
         </p:spPr>
       </p:pic>
+      <p:sp>
+        <p:nvSpPr>
+          <p:cNvPr id="13" name="Rectangle 12"/>
+          <p:cNvSpPr/>
+          <p:nvPr/>
+        </p:nvSpPr>
+        <p:spPr>
+          <a:xfrm>
+            <a:off x="2686513" y="1879152"/>
+            <a:ext cx="3471484" cy="788972"/>
+          </a:xfrm>
+          <a:prstGeom prst="rect">
+            <a:avLst/>
+          </a:prstGeom>
+          <a:noFill/>
+          <a:ln>
+            <a:noFill/>
+          </a:ln>
+        </p:spPr>
+        <p:style>
+          <a:lnRef idx="2">
+            <a:schemeClr val="accent1">
+              <a:shade val="50000"/>
+            </a:schemeClr>
+          </a:lnRef>
+          <a:fillRef idx="1">
+            <a:schemeClr val="accent1"/>
+          </a:fillRef>
+          <a:effectRef idx="0">
+            <a:schemeClr val="accent1"/>
+          </a:effectRef>
+          <a:fontRef idx="minor">
+            <a:schemeClr val="lt1"/>
+          </a:fontRef>
+        </p:style>
+        <p:txBody>
+          <a:bodyPr rtlCol="0" anchor="ctr"/>
+          <a:lstStyle/>
+          <a:p>
+            <a:r>
+              <a:rPr lang="en-US" dirty="0">
+                <a:solidFill>
+                  <a:srgbClr val="FF0000"/>
+                </a:solidFill>
+              </a:rPr>
+              <a:t>Batch: character</a:t>
+            </a:r>
+          </a:p>
+          <a:p>
+            <a:r>
+              <a:rPr lang="en-US" dirty="0">
+                <a:solidFill>
+                  <a:srgbClr val="FF0000"/>
+                </a:solidFill>
+              </a:rPr>
+              <a:t>QC: TRUE/FALSE</a:t>
+            </a:r>
+          </a:p>
+          <a:p>
+            <a:endParaRPr lang="en-US" dirty="0">
+              <a:solidFill>
+                <a:srgbClr val="FF0000"/>
+              </a:solidFill>
+            </a:endParaRPr>
+          </a:p>
+        </p:txBody>
+      </p:sp>
     </p:spTree>
     <p:extLst>
       <p:ext uri="{BB962C8B-B14F-4D97-AF65-F5344CB8AC3E}">
